--- a/slides/SSP_talk.pptx
+++ b/slides/SSP_talk.pptx
@@ -266,7 +266,7 @@
           <a:p>
             <a:fld id="{7E37B48D-A559-6F41-A85D-9198382D8E74}" type="datetime1">
               <a:rPr lang="en-US" smtClean="0"/>
-              <a:t>2/21/16</a:t>
+              <a:t>2/22/16</a:t>
             </a:fld>
             <a:endParaRPr lang="en-US"/>
           </a:p>
@@ -432,7 +432,7 @@
           <a:p>
             <a:fld id="{A07269D8-8511-224D-9EC2-608B032B74D9}" type="datetime1">
               <a:rPr lang="en-US" smtClean="0"/>
-              <a:t>2/21/16</a:t>
+              <a:t>2/22/16</a:t>
             </a:fld>
             <a:endParaRPr lang="en-US"/>
           </a:p>
@@ -829,10 +829,6 @@
           <a:bodyPr/>
           <a:lstStyle/>
           <a:p>
-            <a:r>
-              <a:rPr lang="en-US" dirty="0" smtClean="0"/>
-              <a:t>MAYBE</a:t>
-            </a:r>
             <a:endParaRPr lang="en-US" dirty="0"/>
           </a:p>
         </p:txBody>
@@ -1013,10 +1009,7 @@
           <a:bodyPr/>
           <a:lstStyle/>
           <a:p>
-            <a:r>
-              <a:rPr lang="en-US" dirty="0" smtClean="0"/>
-              <a:t>MAYBE</a:t>
-            </a:r>
+            <a:endParaRPr lang="en-US" dirty="0" smtClean="0"/>
           </a:p>
         </p:txBody>
       </p:sp>
@@ -1352,18 +1345,6 @@
           <a:bodyPr/>
           <a:lstStyle/>
           <a:p>
-            <a:r>
-              <a:rPr lang="en-US" dirty="0" smtClean="0"/>
-              <a:t>Put the green </a:t>
-            </a:r>
-            <a:r>
-              <a:rPr lang="en-US" dirty="0" err="1" smtClean="0"/>
-              <a:t>TWHya</a:t>
-            </a:r>
-            <a:r>
-              <a:rPr lang="en-US" dirty="0" smtClean="0"/>
-              <a:t> figure instead.</a:t>
-            </a:r>
             <a:endParaRPr lang="en-US" dirty="0"/>
           </a:p>
         </p:txBody>
@@ -1448,18 +1429,6 @@
           <a:bodyPr/>
           <a:lstStyle/>
           <a:p>
-            <a:r>
-              <a:rPr lang="en-US" dirty="0" smtClean="0"/>
-              <a:t>Remove the while and make the</a:t>
-            </a:r>
-            <a:r>
-              <a:rPr lang="en-US" baseline="0" dirty="0" smtClean="0"/>
-              <a:t> figure </a:t>
-            </a:r>
-            <a:r>
-              <a:rPr lang="en-US" dirty="0" smtClean="0"/>
-              <a:t>bigger.</a:t>
-            </a:r>
             <a:endParaRPr lang="en-US" dirty="0"/>
           </a:p>
         </p:txBody>
@@ -1544,10 +1513,6 @@
           <a:bodyPr/>
           <a:lstStyle/>
           <a:p>
-            <a:r>
-              <a:rPr lang="en-US" dirty="0" smtClean="0"/>
-              <a:t>MAYBE</a:t>
-            </a:r>
             <a:endParaRPr lang="en-US" dirty="0"/>
           </a:p>
         </p:txBody>
@@ -1632,10 +1597,6 @@
           <a:bodyPr/>
           <a:lstStyle/>
           <a:p>
-            <a:r>
-              <a:rPr lang="en-US" dirty="0" smtClean="0"/>
-              <a:t>MAYBE</a:t>
-            </a:r>
             <a:endParaRPr lang="en-US" dirty="0"/>
           </a:p>
         </p:txBody>
@@ -1857,7 +1818,7 @@
           <a:p>
             <a:fld id="{6BFECD78-3C8E-49F2-8FAB-59489D168ABB}" type="datetimeFigureOut">
               <a:rPr lang="en-US" smtClean="0"/>
-              <a:t>2/21/16</a:t>
+              <a:t>2/22/16</a:t>
             </a:fld>
             <a:endParaRPr lang="en-US"/>
           </a:p>
@@ -2027,7 +1988,7 @@
           <a:p>
             <a:fld id="{6BFECD78-3C8E-49F2-8FAB-59489D168ABB}" type="datetimeFigureOut">
               <a:rPr lang="en-US" smtClean="0"/>
-              <a:t>2/21/16</a:t>
+              <a:t>2/22/16</a:t>
             </a:fld>
             <a:endParaRPr lang="en-US"/>
           </a:p>
@@ -2207,7 +2168,7 @@
           <a:p>
             <a:fld id="{6BFECD78-3C8E-49F2-8FAB-59489D168ABB}" type="datetimeFigureOut">
               <a:rPr lang="en-US" smtClean="0"/>
-              <a:t>2/21/16</a:t>
+              <a:t>2/22/16</a:t>
             </a:fld>
             <a:endParaRPr lang="en-US"/>
           </a:p>
@@ -2377,7 +2338,7 @@
           <a:p>
             <a:fld id="{6BFECD78-3C8E-49F2-8FAB-59489D168ABB}" type="datetimeFigureOut">
               <a:rPr lang="en-US" smtClean="0"/>
-              <a:t>2/21/16</a:t>
+              <a:t>2/22/16</a:t>
             </a:fld>
             <a:endParaRPr lang="en-US"/>
           </a:p>
@@ -2623,7 +2584,7 @@
           <a:p>
             <a:fld id="{6BFECD78-3C8E-49F2-8FAB-59489D168ABB}" type="datetimeFigureOut">
               <a:rPr lang="en-US" smtClean="0"/>
-              <a:t>2/21/16</a:t>
+              <a:t>2/22/16</a:t>
             </a:fld>
             <a:endParaRPr lang="en-US"/>
           </a:p>
@@ -2911,7 +2872,7 @@
           <a:p>
             <a:fld id="{6BFECD78-3C8E-49F2-8FAB-59489D168ABB}" type="datetimeFigureOut">
               <a:rPr lang="en-US" smtClean="0"/>
-              <a:t>2/21/16</a:t>
+              <a:t>2/22/16</a:t>
             </a:fld>
             <a:endParaRPr lang="en-US"/>
           </a:p>
@@ -3333,7 +3294,7 @@
           <a:p>
             <a:fld id="{6BFECD78-3C8E-49F2-8FAB-59489D168ABB}" type="datetimeFigureOut">
               <a:rPr lang="en-US" smtClean="0"/>
-              <a:t>2/21/16</a:t>
+              <a:t>2/22/16</a:t>
             </a:fld>
             <a:endParaRPr lang="en-US"/>
           </a:p>
@@ -3451,7 +3412,7 @@
           <a:p>
             <a:fld id="{6BFECD78-3C8E-49F2-8FAB-59489D168ABB}" type="datetimeFigureOut">
               <a:rPr lang="en-US" smtClean="0"/>
-              <a:t>2/21/16</a:t>
+              <a:t>2/22/16</a:t>
             </a:fld>
             <a:endParaRPr lang="en-US"/>
           </a:p>
@@ -3546,7 +3507,7 @@
           <a:p>
             <a:fld id="{6BFECD78-3C8E-49F2-8FAB-59489D168ABB}" type="datetimeFigureOut">
               <a:rPr lang="en-US" smtClean="0"/>
-              <a:t>2/21/16</a:t>
+              <a:t>2/22/16</a:t>
             </a:fld>
             <a:endParaRPr lang="en-US"/>
           </a:p>
@@ -3823,7 +3784,7 @@
           <a:p>
             <a:fld id="{6BFECD78-3C8E-49F2-8FAB-59489D168ABB}" type="datetimeFigureOut">
               <a:rPr lang="en-US" smtClean="0"/>
-              <a:t>2/21/16</a:t>
+              <a:t>2/22/16</a:t>
             </a:fld>
             <a:endParaRPr lang="en-US"/>
           </a:p>
@@ -4080,7 +4041,7 @@
           <a:p>
             <a:fld id="{6BFECD78-3C8E-49F2-8FAB-59489D168ABB}" type="datetimeFigureOut">
               <a:rPr lang="en-US" smtClean="0"/>
-              <a:t>2/21/16</a:t>
+              <a:t>2/22/16</a:t>
             </a:fld>
             <a:endParaRPr lang="en-US"/>
           </a:p>
@@ -4293,7 +4254,7 @@
           <a:p>
             <a:fld id="{6BFECD78-3C8E-49F2-8FAB-59489D168ABB}" type="datetimeFigureOut">
               <a:rPr lang="en-US" smtClean="0"/>
-              <a:t>2/21/16</a:t>
+              <a:t>2/22/16</a:t>
             </a:fld>
             <a:endParaRPr lang="en-US"/>
           </a:p>
@@ -4933,11 +4894,7 @@
             </a:r>
             <a:r>
               <a:rPr lang="en-US" sz="2200" smtClean="0"/>
-              <a:t>February </a:t>
-            </a:r>
-            <a:r>
-              <a:rPr lang="en-US" sz="2200" smtClean="0"/>
-              <a:t>22</a:t>
+              <a:t>February 22</a:t>
             </a:r>
             <a:r>
               <a:rPr lang="en-US" sz="2200" baseline="30000" smtClean="0"/>
